--- a/Présentation Projet libre duvert_b.pptx
+++ b/Présentation Projet libre duvert_b.pptx
@@ -109,6 +109,11 @@
       </a:defRPr>
     </a:lvl9pPr>
   </p:defaultTextStyle>
+  <p:extLst>
+    <p:ext uri="{EFAFB233-063F-42B5-8137-9DF3F51BA10A}">
+      <p15:sldGuideLst xmlns:p15="http://schemas.microsoft.com/office/powerpoint/2012/main"/>
+    </p:ext>
+  </p:extLst>
 </p:presentation>
 </file>
 
@@ -162,7 +167,7 @@
           <a:noFill/>
           <a:extLst>
             <a:ext uri="{909E8E84-426E-40dd-AFC4-6F175D3DCCD1}">
-              <a14:hiddenFill xmlns:a14="http://schemas.microsoft.com/office/drawing/2010/main" xmlns="">
+              <a14:hiddenFill xmlns="" xmlns:a14="http://schemas.microsoft.com/office/drawing/2010/main">
                 <a:solidFill>
                   <a:srgbClr val="FFFFFF"/>
                 </a:solidFill>
@@ -222,7 +227,7 @@
             </a:ln>
             <a:extLst>
               <a:ext uri="{91240B29-F687-4f45-9708-019B960494DF}">
-                <a14:hiddenLine xmlns:a14="http://schemas.microsoft.com/office/drawing/2010/main" xmlns="" w="9525">
+                <a14:hiddenLine xmlns="" xmlns:a14="http://schemas.microsoft.com/office/drawing/2010/main" w="9525">
                   <a:solidFill>
                     <a:srgbClr val="000000"/>
                   </a:solidFill>
@@ -312,7 +317,7 @@
             </a:ln>
             <a:extLst>
               <a:ext uri="{91240B29-F687-4f45-9708-019B960494DF}">
-                <a14:hiddenLine xmlns:a14="http://schemas.microsoft.com/office/drawing/2010/main" xmlns="" w="9525">
+                <a14:hiddenLine xmlns="" xmlns:a14="http://schemas.microsoft.com/office/drawing/2010/main" w="9525">
                   <a:solidFill>
                     <a:srgbClr val="000000"/>
                   </a:solidFill>
@@ -402,7 +407,7 @@
             </a:ln>
             <a:extLst>
               <a:ext uri="{91240B29-F687-4f45-9708-019B960494DF}">
-                <a14:hiddenLine xmlns:a14="http://schemas.microsoft.com/office/drawing/2010/main" xmlns="" w="9525">
+                <a14:hiddenLine xmlns="" xmlns:a14="http://schemas.microsoft.com/office/drawing/2010/main" w="9525">
                   <a:solidFill>
                     <a:srgbClr val="000000"/>
                   </a:solidFill>
@@ -436,7 +441,7 @@
             </a:ln>
             <a:extLst>
               <a:ext uri="{91240B29-F687-4f45-9708-019B960494DF}">
-                <a14:hiddenLine xmlns:a14="http://schemas.microsoft.com/office/drawing/2010/main" xmlns="" w="9525">
+                <a14:hiddenLine xmlns="" xmlns:a14="http://schemas.microsoft.com/office/drawing/2010/main" w="9525">
                   <a:solidFill>
                     <a:srgbClr val="000000"/>
                   </a:solidFill>
@@ -526,7 +531,7 @@
             </a:ln>
             <a:extLst>
               <a:ext uri="{91240B29-F687-4f45-9708-019B960494DF}">
-                <a14:hiddenLine xmlns:a14="http://schemas.microsoft.com/office/drawing/2010/main" xmlns="" w="9525">
+                <a14:hiddenLine xmlns="" xmlns:a14="http://schemas.microsoft.com/office/drawing/2010/main" w="9525">
                   <a:solidFill>
                     <a:srgbClr val="000000"/>
                   </a:solidFill>
@@ -588,7 +593,7 @@
             </a:ln>
             <a:extLst>
               <a:ext uri="{91240B29-F687-4f45-9708-019B960494DF}">
-                <a14:hiddenLine xmlns:a14="http://schemas.microsoft.com/office/drawing/2010/main" xmlns="" w="9525">
+                <a14:hiddenLine xmlns="" xmlns:a14="http://schemas.microsoft.com/office/drawing/2010/main" w="9525">
                   <a:solidFill>
                     <a:srgbClr val="000000"/>
                   </a:solidFill>
@@ -650,7 +655,7 @@
             </a:ln>
             <a:extLst>
               <a:ext uri="{91240B29-F687-4f45-9708-019B960494DF}">
-                <a14:hiddenLine xmlns:a14="http://schemas.microsoft.com/office/drawing/2010/main" xmlns="" w="9525">
+                <a14:hiddenLine xmlns="" xmlns:a14="http://schemas.microsoft.com/office/drawing/2010/main" w="9525">
                   <a:solidFill>
                     <a:srgbClr val="000000"/>
                   </a:solidFill>
@@ -740,7 +745,7 @@
             </a:ln>
             <a:extLst>
               <a:ext uri="{91240B29-F687-4f45-9708-019B960494DF}">
-                <a14:hiddenLine xmlns:a14="http://schemas.microsoft.com/office/drawing/2010/main" xmlns="" w="9525">
+                <a14:hiddenLine xmlns="" xmlns:a14="http://schemas.microsoft.com/office/drawing/2010/main" w="9525">
                   <a:solidFill>
                     <a:srgbClr val="000000"/>
                   </a:solidFill>
@@ -802,7 +807,7 @@
             </a:ln>
             <a:extLst>
               <a:ext uri="{91240B29-F687-4f45-9708-019B960494DF}">
-                <a14:hiddenLine xmlns:a14="http://schemas.microsoft.com/office/drawing/2010/main" xmlns="" w="9525">
+                <a14:hiddenLine xmlns="" xmlns:a14="http://schemas.microsoft.com/office/drawing/2010/main" w="9525">
                   <a:solidFill>
                     <a:srgbClr val="000000"/>
                   </a:solidFill>
@@ -864,7 +869,7 @@
             </a:ln>
             <a:extLst>
               <a:ext uri="{91240B29-F687-4f45-9708-019B960494DF}">
-                <a14:hiddenLine xmlns:a14="http://schemas.microsoft.com/office/drawing/2010/main" xmlns="" w="9525">
+                <a14:hiddenLine xmlns="" xmlns:a14="http://schemas.microsoft.com/office/drawing/2010/main" w="9525">
                   <a:solidFill>
                     <a:srgbClr val="000000"/>
                   </a:solidFill>
@@ -954,7 +959,7 @@
             </a:ln>
             <a:extLst>
               <a:ext uri="{91240B29-F687-4f45-9708-019B960494DF}">
-                <a14:hiddenLine xmlns:a14="http://schemas.microsoft.com/office/drawing/2010/main" xmlns="" w="9525">
+                <a14:hiddenLine xmlns="" xmlns:a14="http://schemas.microsoft.com/office/drawing/2010/main" w="9525">
                   <a:solidFill>
                     <a:srgbClr val="000000"/>
                   </a:solidFill>
@@ -1044,7 +1049,7 @@
             </a:ln>
             <a:extLst>
               <a:ext uri="{91240B29-F687-4f45-9708-019B960494DF}">
-                <a14:hiddenLine xmlns:a14="http://schemas.microsoft.com/office/drawing/2010/main" xmlns="" w="9525">
+                <a14:hiddenLine xmlns="" xmlns:a14="http://schemas.microsoft.com/office/drawing/2010/main" w="9525">
                   <a:solidFill>
                     <a:srgbClr val="000000"/>
                   </a:solidFill>
@@ -1106,7 +1111,7 @@
             </a:ln>
             <a:extLst>
               <a:ext uri="{91240B29-F687-4f45-9708-019B960494DF}">
-                <a14:hiddenLine xmlns:a14="http://schemas.microsoft.com/office/drawing/2010/main" xmlns="" w="9525">
+                <a14:hiddenLine xmlns="" xmlns:a14="http://schemas.microsoft.com/office/drawing/2010/main" w="9525">
                   <a:solidFill>
                     <a:srgbClr val="000000"/>
                   </a:solidFill>
@@ -1216,7 +1221,7 @@
             </a:ln>
             <a:extLst>
               <a:ext uri="{91240B29-F687-4f45-9708-019B960494DF}">
-                <a14:hiddenLine xmlns:a14="http://schemas.microsoft.com/office/drawing/2010/main" xmlns="" w="9525">
+                <a14:hiddenLine xmlns="" xmlns:a14="http://schemas.microsoft.com/office/drawing/2010/main" w="9525">
                   <a:solidFill>
                     <a:srgbClr val="000000"/>
                   </a:solidFill>
@@ -1278,7 +1283,7 @@
             </a:ln>
             <a:extLst>
               <a:ext uri="{91240B29-F687-4f45-9708-019B960494DF}">
-                <a14:hiddenLine xmlns:a14="http://schemas.microsoft.com/office/drawing/2010/main" xmlns="" w="9525">
+                <a14:hiddenLine xmlns="" xmlns:a14="http://schemas.microsoft.com/office/drawing/2010/main" w="9525">
                   <a:solidFill>
                     <a:srgbClr val="000000"/>
                   </a:solidFill>
@@ -1368,7 +1373,7 @@
             </a:ln>
             <a:extLst>
               <a:ext uri="{91240B29-F687-4f45-9708-019B960494DF}">
-                <a14:hiddenLine xmlns:a14="http://schemas.microsoft.com/office/drawing/2010/main" xmlns="" w="9525">
+                <a14:hiddenLine xmlns="" xmlns:a14="http://schemas.microsoft.com/office/drawing/2010/main" w="9525">
                   <a:solidFill>
                     <a:srgbClr val="000000"/>
                   </a:solidFill>
@@ -1458,7 +1463,7 @@
             </a:ln>
             <a:extLst>
               <a:ext uri="{91240B29-F687-4f45-9708-019B960494DF}">
-                <a14:hiddenLine xmlns:a14="http://schemas.microsoft.com/office/drawing/2010/main" xmlns="" w="9525">
+                <a14:hiddenLine xmlns="" xmlns:a14="http://schemas.microsoft.com/office/drawing/2010/main" w="9525">
                   <a:solidFill>
                     <a:srgbClr val="000000"/>
                   </a:solidFill>
@@ -1520,7 +1525,7 @@
             </a:ln>
             <a:extLst>
               <a:ext uri="{91240B29-F687-4f45-9708-019B960494DF}">
-                <a14:hiddenLine xmlns:a14="http://schemas.microsoft.com/office/drawing/2010/main" xmlns="" w="9525">
+                <a14:hiddenLine xmlns="" xmlns:a14="http://schemas.microsoft.com/office/drawing/2010/main" w="9525">
                   <a:solidFill>
                     <a:srgbClr val="000000"/>
                   </a:solidFill>
@@ -1610,7 +1615,7 @@
             </a:ln>
             <a:extLst>
               <a:ext uri="{91240B29-F687-4f45-9708-019B960494DF}">
-                <a14:hiddenLine xmlns:a14="http://schemas.microsoft.com/office/drawing/2010/main" xmlns="" w="9525">
+                <a14:hiddenLine xmlns="" xmlns:a14="http://schemas.microsoft.com/office/drawing/2010/main" w="9525">
                   <a:solidFill>
                     <a:srgbClr val="000000"/>
                   </a:solidFill>
@@ -1700,7 +1705,7 @@
             </a:ln>
             <a:extLst>
               <a:ext uri="{91240B29-F687-4f45-9708-019B960494DF}">
-                <a14:hiddenLine xmlns:a14="http://schemas.microsoft.com/office/drawing/2010/main" xmlns="" w="9525">
+                <a14:hiddenLine xmlns="" xmlns:a14="http://schemas.microsoft.com/office/drawing/2010/main" w="9525">
                   <a:solidFill>
                     <a:srgbClr val="000000"/>
                   </a:solidFill>
@@ -1756,7 +1761,7 @@
             </a:ln>
             <a:extLst>
               <a:ext uri="{91240B29-F687-4f45-9708-019B960494DF}">
-                <a14:hiddenLine xmlns:a14="http://schemas.microsoft.com/office/drawing/2010/main" xmlns="" w="9525">
+                <a14:hiddenLine xmlns="" xmlns:a14="http://schemas.microsoft.com/office/drawing/2010/main" w="9525">
                   <a:solidFill>
                     <a:srgbClr val="000000"/>
                   </a:solidFill>
@@ -1846,7 +1851,7 @@
             </a:ln>
             <a:extLst>
               <a:ext uri="{91240B29-F687-4f45-9708-019B960494DF}">
-                <a14:hiddenLine xmlns:a14="http://schemas.microsoft.com/office/drawing/2010/main" xmlns="" w="9525">
+                <a14:hiddenLine xmlns="" xmlns:a14="http://schemas.microsoft.com/office/drawing/2010/main" w="9525">
                   <a:solidFill>
                     <a:srgbClr val="000000"/>
                   </a:solidFill>
@@ -1902,7 +1907,7 @@
             </a:ln>
             <a:extLst>
               <a:ext uri="{91240B29-F687-4f45-9708-019B960494DF}">
-                <a14:hiddenLine xmlns:a14="http://schemas.microsoft.com/office/drawing/2010/main" xmlns="" w="9525">
+                <a14:hiddenLine xmlns="" xmlns:a14="http://schemas.microsoft.com/office/drawing/2010/main" w="9525">
                   <a:solidFill>
                     <a:srgbClr val="000000"/>
                   </a:solidFill>
@@ -1992,7 +1997,7 @@
             </a:ln>
             <a:extLst>
               <a:ext uri="{91240B29-F687-4f45-9708-019B960494DF}">
-                <a14:hiddenLine xmlns:a14="http://schemas.microsoft.com/office/drawing/2010/main" xmlns="" w="9525">
+                <a14:hiddenLine xmlns="" xmlns:a14="http://schemas.microsoft.com/office/drawing/2010/main" w="9525">
                   <a:solidFill>
                     <a:srgbClr val="000000"/>
                   </a:solidFill>
@@ -2060,7 +2065,7 @@
             </a:ln>
             <a:extLst>
               <a:ext uri="{91240B29-F687-4f45-9708-019B960494DF}">
-                <a14:hiddenLine xmlns:a14="http://schemas.microsoft.com/office/drawing/2010/main" xmlns="" w="9525">
+                <a14:hiddenLine xmlns="" xmlns:a14="http://schemas.microsoft.com/office/drawing/2010/main" w="9525">
                   <a:solidFill>
                     <a:srgbClr val="000000"/>
                   </a:solidFill>
@@ -2150,7 +2155,7 @@
             </a:ln>
             <a:extLst>
               <a:ext uri="{91240B29-F687-4f45-9708-019B960494DF}">
-                <a14:hiddenLine xmlns:a14="http://schemas.microsoft.com/office/drawing/2010/main" xmlns="" w="9525">
+                <a14:hiddenLine xmlns="" xmlns:a14="http://schemas.microsoft.com/office/drawing/2010/main" w="9525">
                   <a:solidFill>
                     <a:srgbClr val="000000"/>
                   </a:solidFill>
@@ -2218,7 +2223,7 @@
             </a:ln>
             <a:extLst>
               <a:ext uri="{91240B29-F687-4f45-9708-019B960494DF}">
-                <a14:hiddenLine xmlns:a14="http://schemas.microsoft.com/office/drawing/2010/main" xmlns="" w="9525">
+                <a14:hiddenLine xmlns="" xmlns:a14="http://schemas.microsoft.com/office/drawing/2010/main" w="9525">
                   <a:solidFill>
                     <a:srgbClr val="000000"/>
                   </a:solidFill>
@@ -2308,7 +2313,7 @@
             </a:ln>
             <a:extLst>
               <a:ext uri="{91240B29-F687-4f45-9708-019B960494DF}">
-                <a14:hiddenLine xmlns:a14="http://schemas.microsoft.com/office/drawing/2010/main" xmlns="" w="9525">
+                <a14:hiddenLine xmlns="" xmlns:a14="http://schemas.microsoft.com/office/drawing/2010/main" w="9525">
                   <a:solidFill>
                     <a:srgbClr val="000000"/>
                   </a:solidFill>
@@ -2342,7 +2347,7 @@
             </a:ln>
             <a:extLst>
               <a:ext uri="{91240B29-F687-4f45-9708-019B960494DF}">
-                <a14:hiddenLine xmlns:a14="http://schemas.microsoft.com/office/drawing/2010/main" xmlns="" w="9525">
+                <a14:hiddenLine xmlns="" xmlns:a14="http://schemas.microsoft.com/office/drawing/2010/main" w="9525">
                   <a:solidFill>
                     <a:srgbClr val="000000"/>
                   </a:solidFill>
@@ -2432,7 +2437,7 @@
             </a:ln>
             <a:extLst>
               <a:ext uri="{91240B29-F687-4f45-9708-019B960494DF}">
-                <a14:hiddenLine xmlns:a14="http://schemas.microsoft.com/office/drawing/2010/main" xmlns="" w="9525">
+                <a14:hiddenLine xmlns="" xmlns:a14="http://schemas.microsoft.com/office/drawing/2010/main" w="9525">
                   <a:solidFill>
                     <a:srgbClr val="000000"/>
                   </a:solidFill>
@@ -2494,7 +2499,7 @@
             </a:ln>
             <a:extLst>
               <a:ext uri="{91240B29-F687-4f45-9708-019B960494DF}">
-                <a14:hiddenLine xmlns:a14="http://schemas.microsoft.com/office/drawing/2010/main" xmlns="" w="9525">
+                <a14:hiddenLine xmlns="" xmlns:a14="http://schemas.microsoft.com/office/drawing/2010/main" w="9525">
                   <a:solidFill>
                     <a:srgbClr val="000000"/>
                   </a:solidFill>
@@ -2556,7 +2561,7 @@
             </a:ln>
             <a:extLst>
               <a:ext uri="{91240B29-F687-4f45-9708-019B960494DF}">
-                <a14:hiddenLine xmlns:a14="http://schemas.microsoft.com/office/drawing/2010/main" xmlns="" w="9525">
+                <a14:hiddenLine xmlns="" xmlns:a14="http://schemas.microsoft.com/office/drawing/2010/main" w="9525">
                   <a:solidFill>
                     <a:srgbClr val="000000"/>
                   </a:solidFill>
@@ -2646,7 +2651,7 @@
             </a:ln>
             <a:extLst>
               <a:ext uri="{91240B29-F687-4f45-9708-019B960494DF}">
-                <a14:hiddenLine xmlns:a14="http://schemas.microsoft.com/office/drawing/2010/main" xmlns="" w="9525">
+                <a14:hiddenLine xmlns="" xmlns:a14="http://schemas.microsoft.com/office/drawing/2010/main" w="9525">
                   <a:solidFill>
                     <a:srgbClr val="000000"/>
                   </a:solidFill>
@@ -2714,7 +2719,7 @@
             </a:ln>
             <a:extLst>
               <a:ext uri="{91240B29-F687-4f45-9708-019B960494DF}">
-                <a14:hiddenLine xmlns:a14="http://schemas.microsoft.com/office/drawing/2010/main" xmlns="" w="9525">
+                <a14:hiddenLine xmlns="" xmlns:a14="http://schemas.microsoft.com/office/drawing/2010/main" w="9525">
                   <a:solidFill>
                     <a:srgbClr val="000000"/>
                   </a:solidFill>
@@ -2776,7 +2781,7 @@
             </a:ln>
             <a:extLst>
               <a:ext uri="{91240B29-F687-4f45-9708-019B960494DF}">
-                <a14:hiddenLine xmlns:a14="http://schemas.microsoft.com/office/drawing/2010/main" xmlns="" w="9525">
+                <a14:hiddenLine xmlns="" xmlns:a14="http://schemas.microsoft.com/office/drawing/2010/main" w="9525">
                   <a:solidFill>
                     <a:srgbClr val="000000"/>
                   </a:solidFill>
@@ -2866,7 +2871,7 @@
             </a:ln>
             <a:extLst>
               <a:ext uri="{91240B29-F687-4f45-9708-019B960494DF}">
-                <a14:hiddenLine xmlns:a14="http://schemas.microsoft.com/office/drawing/2010/main" xmlns="" w="9525">
+                <a14:hiddenLine xmlns="" xmlns:a14="http://schemas.microsoft.com/office/drawing/2010/main" w="9525">
                   <a:solidFill>
                     <a:srgbClr val="000000"/>
                   </a:solidFill>
@@ -2928,7 +2933,7 @@
             </a:ln>
             <a:extLst>
               <a:ext uri="{91240B29-F687-4f45-9708-019B960494DF}">
-                <a14:hiddenLine xmlns:a14="http://schemas.microsoft.com/office/drawing/2010/main" xmlns="" w="9525">
+                <a14:hiddenLine xmlns="" xmlns:a14="http://schemas.microsoft.com/office/drawing/2010/main" w="9525">
                   <a:solidFill>
                     <a:srgbClr val="000000"/>
                   </a:solidFill>
@@ -3018,7 +3023,7 @@
             </a:ln>
             <a:extLst>
               <a:ext uri="{91240B29-F687-4f45-9708-019B960494DF}">
-                <a14:hiddenLine xmlns:a14="http://schemas.microsoft.com/office/drawing/2010/main" xmlns="" w="9525">
+                <a14:hiddenLine xmlns="" xmlns:a14="http://schemas.microsoft.com/office/drawing/2010/main" w="9525">
                   <a:solidFill>
                     <a:srgbClr val="000000"/>
                   </a:solidFill>
@@ -3080,7 +3085,7 @@
             </a:ln>
             <a:extLst>
               <a:ext uri="{91240B29-F687-4f45-9708-019B960494DF}">
-                <a14:hiddenLine xmlns:a14="http://schemas.microsoft.com/office/drawing/2010/main" xmlns="" w="9525">
+                <a14:hiddenLine xmlns="" xmlns:a14="http://schemas.microsoft.com/office/drawing/2010/main" w="9525">
                   <a:solidFill>
                     <a:srgbClr val="000000"/>
                   </a:solidFill>
@@ -3170,7 +3175,7 @@
             </a:ln>
             <a:extLst>
               <a:ext uri="{91240B29-F687-4f45-9708-019B960494DF}">
-                <a14:hiddenLine xmlns:a14="http://schemas.microsoft.com/office/drawing/2010/main" xmlns="" w="9525">
+                <a14:hiddenLine xmlns="" xmlns:a14="http://schemas.microsoft.com/office/drawing/2010/main" w="9525">
                   <a:solidFill>
                     <a:srgbClr val="000000"/>
                   </a:solidFill>
@@ -3204,7 +3209,7 @@
             </a:ln>
             <a:extLst>
               <a:ext uri="{91240B29-F687-4f45-9708-019B960494DF}">
-                <a14:hiddenLine xmlns:a14="http://schemas.microsoft.com/office/drawing/2010/main" xmlns="" w="9525">
+                <a14:hiddenLine xmlns="" xmlns:a14="http://schemas.microsoft.com/office/drawing/2010/main" w="9525">
                   <a:solidFill>
                     <a:srgbClr val="000000"/>
                   </a:solidFill>
@@ -3269,7 +3274,7 @@
             </a:ln>
             <a:extLst>
               <a:ext uri="{91240B29-F687-4f45-9708-019B960494DF}">
-                <a14:hiddenLine xmlns:a14="http://schemas.microsoft.com/office/drawing/2010/main" xmlns="" w="9525">
+                <a14:hiddenLine xmlns="" xmlns:a14="http://schemas.microsoft.com/office/drawing/2010/main" w="9525">
                   <a:solidFill>
                     <a:srgbClr val="000000"/>
                   </a:solidFill>
@@ -3359,7 +3364,7 @@
             </a:ln>
             <a:extLst>
               <a:ext uri="{91240B29-F687-4f45-9708-019B960494DF}">
-                <a14:hiddenLine xmlns:a14="http://schemas.microsoft.com/office/drawing/2010/main" xmlns="" w="9525">
+                <a14:hiddenLine xmlns="" xmlns:a14="http://schemas.microsoft.com/office/drawing/2010/main" w="9525">
                   <a:solidFill>
                     <a:srgbClr val="000000"/>
                   </a:solidFill>
@@ -3421,7 +3426,7 @@
             </a:ln>
             <a:extLst>
               <a:ext uri="{91240B29-F687-4f45-9708-019B960494DF}">
-                <a14:hiddenLine xmlns:a14="http://schemas.microsoft.com/office/drawing/2010/main" xmlns="" w="9525">
+                <a14:hiddenLine xmlns="" xmlns:a14="http://schemas.microsoft.com/office/drawing/2010/main" w="9525">
                   <a:solidFill>
                     <a:srgbClr val="000000"/>
                   </a:solidFill>
@@ -3511,7 +3516,7 @@
             </a:ln>
             <a:extLst>
               <a:ext uri="{91240B29-F687-4f45-9708-019B960494DF}">
-                <a14:hiddenLine xmlns:a14="http://schemas.microsoft.com/office/drawing/2010/main" xmlns="" w="9525">
+                <a14:hiddenLine xmlns="" xmlns:a14="http://schemas.microsoft.com/office/drawing/2010/main" w="9525">
                   <a:solidFill>
                     <a:srgbClr val="000000"/>
                   </a:solidFill>
@@ -3601,7 +3606,7 @@
             </a:ln>
             <a:extLst>
               <a:ext uri="{91240B29-F687-4f45-9708-019B960494DF}">
-                <a14:hiddenLine xmlns:a14="http://schemas.microsoft.com/office/drawing/2010/main" xmlns="" w="9525">
+                <a14:hiddenLine xmlns="" xmlns:a14="http://schemas.microsoft.com/office/drawing/2010/main" w="9525">
                   <a:solidFill>
                     <a:srgbClr val="000000"/>
                   </a:solidFill>
@@ -3666,7 +3671,7 @@
             </a:ln>
             <a:extLst>
               <a:ext uri="{91240B29-F687-4f45-9708-019B960494DF}">
-                <a14:hiddenLine xmlns:a14="http://schemas.microsoft.com/office/drawing/2010/main" xmlns="" w="9525">
+                <a14:hiddenLine xmlns="" xmlns:a14="http://schemas.microsoft.com/office/drawing/2010/main" w="9525">
                   <a:solidFill>
                     <a:srgbClr val="000000"/>
                   </a:solidFill>
@@ -3728,7 +3733,7 @@
             </a:ln>
             <a:extLst>
               <a:ext uri="{91240B29-F687-4f45-9708-019B960494DF}">
-                <a14:hiddenLine xmlns:a14="http://schemas.microsoft.com/office/drawing/2010/main" xmlns="" w="9525">
+                <a14:hiddenLine xmlns="" xmlns:a14="http://schemas.microsoft.com/office/drawing/2010/main" w="9525">
                   <a:solidFill>
                     <a:srgbClr val="000000"/>
                   </a:solidFill>
@@ -3818,7 +3823,7 @@
             </a:ln>
             <a:extLst>
               <a:ext uri="{91240B29-F687-4f45-9708-019B960494DF}">
-                <a14:hiddenLine xmlns:a14="http://schemas.microsoft.com/office/drawing/2010/main" xmlns="" w="9525">
+                <a14:hiddenLine xmlns="" xmlns:a14="http://schemas.microsoft.com/office/drawing/2010/main" w="9525">
                   <a:solidFill>
                     <a:srgbClr val="000000"/>
                   </a:solidFill>
@@ -3908,7 +3913,7 @@
             </a:ln>
             <a:extLst>
               <a:ext uri="{91240B29-F687-4f45-9708-019B960494DF}">
-                <a14:hiddenLine xmlns:a14="http://schemas.microsoft.com/office/drawing/2010/main" xmlns="" w="9525">
+                <a14:hiddenLine xmlns="" xmlns:a14="http://schemas.microsoft.com/office/drawing/2010/main" w="9525">
                   <a:solidFill>
                     <a:srgbClr val="000000"/>
                   </a:solidFill>
@@ -3970,7 +3975,7 @@
             </a:ln>
             <a:extLst>
               <a:ext uri="{91240B29-F687-4f45-9708-019B960494DF}">
-                <a14:hiddenLine xmlns:a14="http://schemas.microsoft.com/office/drawing/2010/main" xmlns="" w="9525">
+                <a14:hiddenLine xmlns="" xmlns:a14="http://schemas.microsoft.com/office/drawing/2010/main" w="9525">
                   <a:solidFill>
                     <a:srgbClr val="000000"/>
                   </a:solidFill>
@@ -4090,7 +4095,7 @@
             </a:ln>
             <a:extLst>
               <a:ext uri="{91240B29-F687-4f45-9708-019B960494DF}">
-                <a14:hiddenLine xmlns:a14="http://schemas.microsoft.com/office/drawing/2010/main" xmlns="" w="9525">
+                <a14:hiddenLine xmlns="" xmlns:a14="http://schemas.microsoft.com/office/drawing/2010/main" w="9525">
                   <a:solidFill>
                     <a:srgbClr val="000000"/>
                   </a:solidFill>
@@ -4158,7 +4163,7 @@
             </a:ln>
             <a:extLst>
               <a:ext uri="{91240B29-F687-4f45-9708-019B960494DF}">
-                <a14:hiddenLine xmlns:a14="http://schemas.microsoft.com/office/drawing/2010/main" xmlns="" w="9525">
+                <a14:hiddenLine xmlns="" xmlns:a14="http://schemas.microsoft.com/office/drawing/2010/main" w="9525">
                   <a:solidFill>
                     <a:srgbClr val="000000"/>
                   </a:solidFill>
@@ -4248,7 +4253,7 @@
             </a:ln>
             <a:extLst>
               <a:ext uri="{91240B29-F687-4f45-9708-019B960494DF}">
-                <a14:hiddenLine xmlns:a14="http://schemas.microsoft.com/office/drawing/2010/main" xmlns="" w="9525">
+                <a14:hiddenLine xmlns="" xmlns:a14="http://schemas.microsoft.com/office/drawing/2010/main" w="9525">
                   <a:solidFill>
                     <a:srgbClr val="000000"/>
                   </a:solidFill>
@@ -9055,7 +9060,7 @@
           <a:noFill/>
           <a:extLst>
             <a:ext uri="{909E8E84-426E-40dd-AFC4-6F175D3DCCD1}">
-              <a14:hiddenFill xmlns:a14="http://schemas.microsoft.com/office/drawing/2010/main" xmlns="">
+              <a14:hiddenFill xmlns="" xmlns:a14="http://schemas.microsoft.com/office/drawing/2010/main">
                 <a:solidFill>
                   <a:srgbClr val="FFFFFF"/>
                 </a:solidFill>
@@ -9129,7 +9134,7 @@
               </a:ln>
               <a:extLst>
                 <a:ext uri="{91240B29-F687-4f45-9708-019B960494DF}">
-                  <a14:hiddenLine xmlns:a14="http://schemas.microsoft.com/office/drawing/2010/main" xmlns="" w="9525">
+                  <a14:hiddenLine xmlns="" xmlns:a14="http://schemas.microsoft.com/office/drawing/2010/main" w="9525">
                     <a:solidFill>
                       <a:srgbClr val="000000"/>
                     </a:solidFill>
@@ -9219,7 +9224,7 @@
               </a:ln>
               <a:extLst>
                 <a:ext uri="{91240B29-F687-4f45-9708-019B960494DF}">
-                  <a14:hiddenLine xmlns:a14="http://schemas.microsoft.com/office/drawing/2010/main" xmlns="" w="9525">
+                  <a14:hiddenLine xmlns="" xmlns:a14="http://schemas.microsoft.com/office/drawing/2010/main" w="9525">
                     <a:solidFill>
                       <a:srgbClr val="000000"/>
                     </a:solidFill>
@@ -9309,7 +9314,7 @@
               </a:ln>
               <a:extLst>
                 <a:ext uri="{91240B29-F687-4f45-9708-019B960494DF}">
-                  <a14:hiddenLine xmlns:a14="http://schemas.microsoft.com/office/drawing/2010/main" xmlns="" w="9525">
+                  <a14:hiddenLine xmlns="" xmlns:a14="http://schemas.microsoft.com/office/drawing/2010/main" w="9525">
                     <a:solidFill>
                       <a:srgbClr val="000000"/>
                     </a:solidFill>
@@ -9371,7 +9376,7 @@
               </a:ln>
               <a:extLst>
                 <a:ext uri="{91240B29-F687-4f45-9708-019B960494DF}">
-                  <a14:hiddenLine xmlns:a14="http://schemas.microsoft.com/office/drawing/2010/main" xmlns="" w="9525">
+                  <a14:hiddenLine xmlns="" xmlns:a14="http://schemas.microsoft.com/office/drawing/2010/main" w="9525">
                     <a:solidFill>
                       <a:srgbClr val="000000"/>
                     </a:solidFill>
@@ -9461,7 +9466,7 @@
               </a:ln>
               <a:extLst>
                 <a:ext uri="{91240B29-F687-4f45-9708-019B960494DF}">
-                  <a14:hiddenLine xmlns:a14="http://schemas.microsoft.com/office/drawing/2010/main" xmlns="" w="9525">
+                  <a14:hiddenLine xmlns="" xmlns:a14="http://schemas.microsoft.com/office/drawing/2010/main" w="9525">
                     <a:solidFill>
                       <a:srgbClr val="000000"/>
                     </a:solidFill>
@@ -9523,7 +9528,7 @@
               </a:ln>
               <a:extLst>
                 <a:ext uri="{91240B29-F687-4f45-9708-019B960494DF}">
-                  <a14:hiddenLine xmlns:a14="http://schemas.microsoft.com/office/drawing/2010/main" xmlns="" w="9525">
+                  <a14:hiddenLine xmlns="" xmlns:a14="http://schemas.microsoft.com/office/drawing/2010/main" w="9525">
                     <a:solidFill>
                       <a:srgbClr val="000000"/>
                     </a:solidFill>
@@ -9585,7 +9590,7 @@
               </a:ln>
               <a:extLst>
                 <a:ext uri="{91240B29-F687-4f45-9708-019B960494DF}">
-                  <a14:hiddenLine xmlns:a14="http://schemas.microsoft.com/office/drawing/2010/main" xmlns="" w="9525">
+                  <a14:hiddenLine xmlns="" xmlns:a14="http://schemas.microsoft.com/office/drawing/2010/main" w="9525">
                     <a:solidFill>
                       <a:srgbClr val="000000"/>
                     </a:solidFill>
@@ -9675,7 +9680,7 @@
               </a:ln>
               <a:extLst>
                 <a:ext uri="{91240B29-F687-4f45-9708-019B960494DF}">
-                  <a14:hiddenLine xmlns:a14="http://schemas.microsoft.com/office/drawing/2010/main" xmlns="" w="9525">
+                  <a14:hiddenLine xmlns="" xmlns:a14="http://schemas.microsoft.com/office/drawing/2010/main" w="9525">
                     <a:solidFill>
                       <a:srgbClr val="000000"/>
                     </a:solidFill>
@@ -9765,7 +9770,7 @@
               </a:ln>
               <a:extLst>
                 <a:ext uri="{91240B29-F687-4f45-9708-019B960494DF}">
-                  <a14:hiddenLine xmlns:a14="http://schemas.microsoft.com/office/drawing/2010/main" xmlns="" w="9525">
+                  <a14:hiddenLine xmlns="" xmlns:a14="http://schemas.microsoft.com/office/drawing/2010/main" w="9525">
                     <a:solidFill>
                       <a:srgbClr val="000000"/>
                     </a:solidFill>
@@ -9827,7 +9832,7 @@
               </a:ln>
               <a:extLst>
                 <a:ext uri="{91240B29-F687-4f45-9708-019B960494DF}">
-                  <a14:hiddenLine xmlns:a14="http://schemas.microsoft.com/office/drawing/2010/main" xmlns="" w="9525">
+                  <a14:hiddenLine xmlns="" xmlns:a14="http://schemas.microsoft.com/office/drawing/2010/main" w="9525">
                     <a:solidFill>
                       <a:srgbClr val="000000"/>
                     </a:solidFill>
@@ -9937,7 +9942,7 @@
               </a:ln>
               <a:extLst>
                 <a:ext uri="{91240B29-F687-4f45-9708-019B960494DF}">
-                  <a14:hiddenLine xmlns:a14="http://schemas.microsoft.com/office/drawing/2010/main" xmlns="" w="9525">
+                  <a14:hiddenLine xmlns="" xmlns:a14="http://schemas.microsoft.com/office/drawing/2010/main" w="9525">
                     <a:solidFill>
                       <a:srgbClr val="000000"/>
                     </a:solidFill>
@@ -10021,7 +10026,7 @@
               </a:ln>
               <a:extLst>
                 <a:ext uri="{91240B29-F687-4f45-9708-019B960494DF}">
-                  <a14:hiddenLine xmlns:a14="http://schemas.microsoft.com/office/drawing/2010/main" xmlns="" w="9525">
+                  <a14:hiddenLine xmlns="" xmlns:a14="http://schemas.microsoft.com/office/drawing/2010/main" w="9525">
                     <a:solidFill>
                       <a:srgbClr val="000000"/>
                     </a:solidFill>
@@ -10083,7 +10088,7 @@
               </a:ln>
               <a:extLst>
                 <a:ext uri="{91240B29-F687-4f45-9708-019B960494DF}">
-                  <a14:hiddenLine xmlns:a14="http://schemas.microsoft.com/office/drawing/2010/main" xmlns="" w="9525">
+                  <a14:hiddenLine xmlns="" xmlns:a14="http://schemas.microsoft.com/office/drawing/2010/main" w="9525">
                     <a:solidFill>
                       <a:srgbClr val="000000"/>
                     </a:solidFill>
@@ -10145,7 +10150,7 @@
               </a:ln>
               <a:extLst>
                 <a:ext uri="{91240B29-F687-4f45-9708-019B960494DF}">
-                  <a14:hiddenLine xmlns:a14="http://schemas.microsoft.com/office/drawing/2010/main" xmlns="" w="9525">
+                  <a14:hiddenLine xmlns="" xmlns:a14="http://schemas.microsoft.com/office/drawing/2010/main" w="9525">
                     <a:solidFill>
                       <a:srgbClr val="000000"/>
                     </a:solidFill>
@@ -10235,7 +10240,7 @@
               </a:ln>
               <a:extLst>
                 <a:ext uri="{91240B29-F687-4f45-9708-019B960494DF}">
-                  <a14:hiddenLine xmlns:a14="http://schemas.microsoft.com/office/drawing/2010/main" xmlns="" w="9525">
+                  <a14:hiddenLine xmlns="" xmlns:a14="http://schemas.microsoft.com/office/drawing/2010/main" w="9525">
                     <a:solidFill>
                       <a:srgbClr val="000000"/>
                     </a:solidFill>
@@ -10269,7 +10274,7 @@
               </a:ln>
               <a:extLst>
                 <a:ext uri="{91240B29-F687-4f45-9708-019B960494DF}">
-                  <a14:hiddenLine xmlns:a14="http://schemas.microsoft.com/office/drawing/2010/main" xmlns="" w="9525">
+                  <a14:hiddenLine xmlns="" xmlns:a14="http://schemas.microsoft.com/office/drawing/2010/main" w="9525">
                     <a:solidFill>
                       <a:srgbClr val="000000"/>
                     </a:solidFill>
@@ -10334,7 +10339,7 @@
               </a:ln>
               <a:extLst>
                 <a:ext uri="{91240B29-F687-4f45-9708-019B960494DF}">
-                  <a14:hiddenLine xmlns:a14="http://schemas.microsoft.com/office/drawing/2010/main" xmlns="" w="9525">
+                  <a14:hiddenLine xmlns="" xmlns:a14="http://schemas.microsoft.com/office/drawing/2010/main" w="9525">
                     <a:solidFill>
                       <a:srgbClr val="000000"/>
                     </a:solidFill>
@@ -10424,7 +10429,7 @@
               </a:ln>
               <a:extLst>
                 <a:ext uri="{91240B29-F687-4f45-9708-019B960494DF}">
-                  <a14:hiddenLine xmlns:a14="http://schemas.microsoft.com/office/drawing/2010/main" xmlns="" w="9525">
+                  <a14:hiddenLine xmlns="" xmlns:a14="http://schemas.microsoft.com/office/drawing/2010/main" w="9525">
                     <a:solidFill>
                       <a:srgbClr val="000000"/>
                     </a:solidFill>
@@ -10486,7 +10491,7 @@
               </a:ln>
               <a:extLst>
                 <a:ext uri="{91240B29-F687-4f45-9708-019B960494DF}">
-                  <a14:hiddenLine xmlns:a14="http://schemas.microsoft.com/office/drawing/2010/main" xmlns="" w="9525">
+                  <a14:hiddenLine xmlns="" xmlns:a14="http://schemas.microsoft.com/office/drawing/2010/main" w="9525">
                     <a:solidFill>
                       <a:srgbClr val="000000"/>
                     </a:solidFill>
@@ -10576,7 +10581,7 @@
               </a:ln>
               <a:extLst>
                 <a:ext uri="{91240B29-F687-4f45-9708-019B960494DF}">
-                  <a14:hiddenLine xmlns:a14="http://schemas.microsoft.com/office/drawing/2010/main" xmlns="" w="9525">
+                  <a14:hiddenLine xmlns="" xmlns:a14="http://schemas.microsoft.com/office/drawing/2010/main" w="9525">
                     <a:solidFill>
                       <a:srgbClr val="000000"/>
                     </a:solidFill>
@@ -10641,7 +10646,7 @@
               </a:ln>
               <a:extLst>
                 <a:ext uri="{91240B29-F687-4f45-9708-019B960494DF}">
-                  <a14:hiddenLine xmlns:a14="http://schemas.microsoft.com/office/drawing/2010/main" xmlns="" w="9525">
+                  <a14:hiddenLine xmlns="" xmlns:a14="http://schemas.microsoft.com/office/drawing/2010/main" w="9525">
                     <a:solidFill>
                       <a:srgbClr val="000000"/>
                     </a:solidFill>
@@ -10703,7 +10708,7 @@
               </a:ln>
               <a:extLst>
                 <a:ext uri="{91240B29-F687-4f45-9708-019B960494DF}">
-                  <a14:hiddenLine xmlns:a14="http://schemas.microsoft.com/office/drawing/2010/main" xmlns="" w="9525">
+                  <a14:hiddenLine xmlns="" xmlns:a14="http://schemas.microsoft.com/office/drawing/2010/main" w="9525">
                     <a:solidFill>
                       <a:srgbClr val="000000"/>
                     </a:solidFill>
@@ -10793,7 +10798,7 @@
               </a:ln>
               <a:extLst>
                 <a:ext uri="{91240B29-F687-4f45-9708-019B960494DF}">
-                  <a14:hiddenLine xmlns:a14="http://schemas.microsoft.com/office/drawing/2010/main" xmlns="" w="9525">
+                  <a14:hiddenLine xmlns="" xmlns:a14="http://schemas.microsoft.com/office/drawing/2010/main" w="9525">
                     <a:solidFill>
                       <a:srgbClr val="000000"/>
                     </a:solidFill>
@@ -10883,7 +10888,7 @@
               </a:ln>
               <a:extLst>
                 <a:ext uri="{91240B29-F687-4f45-9708-019B960494DF}">
-                  <a14:hiddenLine xmlns:a14="http://schemas.microsoft.com/office/drawing/2010/main" xmlns="" w="9525">
+                  <a14:hiddenLine xmlns="" xmlns:a14="http://schemas.microsoft.com/office/drawing/2010/main" w="9525">
                     <a:solidFill>
                       <a:srgbClr val="000000"/>
                     </a:solidFill>
@@ -10948,7 +10953,7 @@
               </a:ln>
               <a:extLst>
                 <a:ext uri="{91240B29-F687-4f45-9708-019B960494DF}">
-                  <a14:hiddenLine xmlns:a14="http://schemas.microsoft.com/office/drawing/2010/main" xmlns="" w="9525">
+                  <a14:hiddenLine xmlns="" xmlns:a14="http://schemas.microsoft.com/office/drawing/2010/main" w="9525">
                     <a:solidFill>
                       <a:srgbClr val="000000"/>
                     </a:solidFill>
@@ -11068,7 +11073,7 @@
               </a:ln>
               <a:extLst>
                 <a:ext uri="{91240B29-F687-4f45-9708-019B960494DF}">
-                  <a14:hiddenLine xmlns:a14="http://schemas.microsoft.com/office/drawing/2010/main" xmlns="" w="9525">
+                  <a14:hiddenLine xmlns="" xmlns:a14="http://schemas.microsoft.com/office/drawing/2010/main" w="9525">
                     <a:solidFill>
                       <a:srgbClr val="000000"/>
                     </a:solidFill>
@@ -11166,7 +11171,7 @@
               </a:ln>
               <a:extLst>
                 <a:ext uri="{91240B29-F687-4f45-9708-019B960494DF}">
-                  <a14:hiddenLine xmlns:a14="http://schemas.microsoft.com/office/drawing/2010/main" xmlns="" w="9525">
+                  <a14:hiddenLine xmlns="" xmlns:a14="http://schemas.microsoft.com/office/drawing/2010/main" w="9525">
                     <a:solidFill>
                       <a:srgbClr val="000000"/>
                     </a:solidFill>
@@ -11281,7 +11286,7 @@
               </a:ln>
               <a:extLst>
                 <a:ext uri="{91240B29-F687-4f45-9708-019B960494DF}">
-                  <a14:hiddenLine xmlns:a14="http://schemas.microsoft.com/office/drawing/2010/main" xmlns="" w="9525">
+                  <a14:hiddenLine xmlns="" xmlns:a14="http://schemas.microsoft.com/office/drawing/2010/main" w="9525">
                     <a:solidFill>
                       <a:srgbClr val="000000"/>
                     </a:solidFill>
@@ -11371,7 +11376,7 @@
               </a:ln>
               <a:extLst>
                 <a:ext uri="{91240B29-F687-4f45-9708-019B960494DF}">
-                  <a14:hiddenLine xmlns:a14="http://schemas.microsoft.com/office/drawing/2010/main" xmlns="" w="9525">
+                  <a14:hiddenLine xmlns="" xmlns:a14="http://schemas.microsoft.com/office/drawing/2010/main" w="9525">
                     <a:solidFill>
                       <a:srgbClr val="000000"/>
                     </a:solidFill>
@@ -11436,7 +11441,7 @@
               </a:ln>
               <a:extLst>
                 <a:ext uri="{91240B29-F687-4f45-9708-019B960494DF}">
-                  <a14:hiddenLine xmlns:a14="http://schemas.microsoft.com/office/drawing/2010/main" xmlns="" w="9525">
+                  <a14:hiddenLine xmlns="" xmlns:a14="http://schemas.microsoft.com/office/drawing/2010/main" w="9525">
                     <a:solidFill>
                       <a:srgbClr val="000000"/>
                     </a:solidFill>
@@ -11526,7 +11531,7 @@
               </a:ln>
               <a:extLst>
                 <a:ext uri="{91240B29-F687-4f45-9708-019B960494DF}">
-                  <a14:hiddenLine xmlns:a14="http://schemas.microsoft.com/office/drawing/2010/main" xmlns="" w="9525">
+                  <a14:hiddenLine xmlns="" xmlns:a14="http://schemas.microsoft.com/office/drawing/2010/main" w="9525">
                     <a:solidFill>
                       <a:srgbClr val="000000"/>
                     </a:solidFill>
@@ -11594,7 +11599,7 @@
               </a:ln>
               <a:extLst>
                 <a:ext uri="{91240B29-F687-4f45-9708-019B960494DF}">
-                  <a14:hiddenLine xmlns:a14="http://schemas.microsoft.com/office/drawing/2010/main" xmlns="" w="9525">
+                  <a14:hiddenLine xmlns="" xmlns:a14="http://schemas.microsoft.com/office/drawing/2010/main" w="9525">
                     <a:solidFill>
                       <a:srgbClr val="000000"/>
                     </a:solidFill>
@@ -11684,7 +11689,7 @@
               </a:ln>
               <a:extLst>
                 <a:ext uri="{91240B29-F687-4f45-9708-019B960494DF}">
-                  <a14:hiddenLine xmlns:a14="http://schemas.microsoft.com/office/drawing/2010/main" xmlns="" w="9525">
+                  <a14:hiddenLine xmlns="" xmlns:a14="http://schemas.microsoft.com/office/drawing/2010/main" w="9525">
                     <a:solidFill>
                       <a:srgbClr val="000000"/>
                     </a:solidFill>
@@ -11752,7 +11757,7 @@
               </a:ln>
               <a:extLst>
                 <a:ext uri="{91240B29-F687-4f45-9708-019B960494DF}">
-                  <a14:hiddenLine xmlns:a14="http://schemas.microsoft.com/office/drawing/2010/main" xmlns="" w="9525">
+                  <a14:hiddenLine xmlns="" xmlns:a14="http://schemas.microsoft.com/office/drawing/2010/main" w="9525">
                     <a:solidFill>
                       <a:srgbClr val="000000"/>
                     </a:solidFill>
@@ -11842,7 +11847,7 @@
               </a:ln>
               <a:extLst>
                 <a:ext uri="{91240B29-F687-4f45-9708-019B960494DF}">
-                  <a14:hiddenLine xmlns:a14="http://schemas.microsoft.com/office/drawing/2010/main" xmlns="" w="9525">
+                  <a14:hiddenLine xmlns="" xmlns:a14="http://schemas.microsoft.com/office/drawing/2010/main" w="9525">
                     <a:solidFill>
                       <a:srgbClr val="000000"/>
                     </a:solidFill>
@@ -11876,7 +11881,7 @@
               </a:ln>
               <a:extLst>
                 <a:ext uri="{91240B29-F687-4f45-9708-019B960494DF}">
-                  <a14:hiddenLine xmlns:a14="http://schemas.microsoft.com/office/drawing/2010/main" xmlns="" w="9525">
+                  <a14:hiddenLine xmlns="" xmlns:a14="http://schemas.microsoft.com/office/drawing/2010/main" w="9525">
                     <a:solidFill>
                       <a:srgbClr val="000000"/>
                     </a:solidFill>
@@ -13232,13 +13237,18 @@
           <a:p>
             <a:pPr algn="ctr"/>
             <a:r>
-              <a:rPr lang="fr-FR" sz="4800" dirty="0">
+              <a:rPr lang="fr-FR" sz="4800">
                 <a:solidFill>
                   <a:srgbClr val="FFFFCC"/>
                 </a:solidFill>
               </a:rPr>
-              <a:t>Questions ?</a:t>
+              <a:t>Questions</a:t>
             </a:r>
+            <a:endParaRPr lang="fr-FR" sz="4800" dirty="0">
+              <a:solidFill>
+                <a:srgbClr val="FFFFCC"/>
+              </a:solidFill>
+            </a:endParaRPr>
           </a:p>
         </p:txBody>
       </p:sp>
